--- a/Presentation/TE Presentation.pptx
+++ b/Presentation/TE Presentation.pptx
@@ -17,8 +17,8 @@
     <p:sldId id="262" r:id="rId8"/>
     <p:sldId id="263" r:id="rId9"/>
     <p:sldId id="264" r:id="rId10"/>
-    <p:sldId id="265" r:id="rId11"/>
-    <p:sldId id="266" r:id="rId12"/>
+    <p:sldId id="266" r:id="rId11"/>
+    <p:sldId id="265" r:id="rId12"/>
     <p:sldId id="267" r:id="rId13"/>
     <p:sldId id="268" r:id="rId14"/>
     <p:sldId id="269" r:id="rId15"/>
@@ -927,7 +927,7 @@
   <p:cSld>
     <p:spTree>
       <p:nvGrpSpPr>
-        <p:cNvPr id="1" name="Shape 180"/>
+        <p:cNvPr id="1" name="Shape 190"/>
         <p:cNvGrpSpPr/>
         <p:nvPr/>
       </p:nvGrpSpPr>
@@ -941,7 +941,7 @@
       </p:grpSpPr>
       <p:sp>
         <p:nvSpPr>
-          <p:cNvPr id="181" name="Google Shape;181;gfb19fe4c98_4_23:notes"/>
+          <p:cNvPr id="191" name="Google Shape;191;gc5abbd3403_0_16:notes"/>
           <p:cNvSpPr>
             <a:spLocks noGrp="1" noRot="1" noChangeAspect="1"/>
           </p:cNvSpPr>
@@ -992,7 +992,7 @@
       </p:sp>
       <p:sp>
         <p:nvSpPr>
-          <p:cNvPr id="182" name="Google Shape;182;gfb19fe4c98_4_23:notes"/>
+          <p:cNvPr id="192" name="Google Shape;192;gc5abbd3403_0_16:notes"/>
           <p:cNvSpPr txBox="1">
             <a:spLocks noGrp="1"/>
           </p:cNvSpPr>
@@ -1034,7 +1034,7 @@
       </p:sp>
       <p:sp>
         <p:nvSpPr>
-          <p:cNvPr id="183" name="Google Shape;183;gfb19fe4c98_4_23:notes"/>
+          <p:cNvPr id="193" name="Google Shape;193;gc5abbd3403_0_16:notes"/>
           <p:cNvSpPr txBox="1">
             <a:spLocks noGrp="1"/>
           </p:cNvSpPr>
@@ -1091,7 +1091,7 @@
   <p:cSld>
     <p:spTree>
       <p:nvGrpSpPr>
-        <p:cNvPr id="1" name="Shape 190"/>
+        <p:cNvPr id="1" name="Shape 180"/>
         <p:cNvGrpSpPr/>
         <p:nvPr/>
       </p:nvGrpSpPr>
@@ -1105,7 +1105,7 @@
       </p:grpSpPr>
       <p:sp>
         <p:nvSpPr>
-          <p:cNvPr id="191" name="Google Shape;191;gc5abbd3403_0_16:notes"/>
+          <p:cNvPr id="181" name="Google Shape;181;gfb19fe4c98_4_23:notes"/>
           <p:cNvSpPr>
             <a:spLocks noGrp="1" noRot="1" noChangeAspect="1"/>
           </p:cNvSpPr>
@@ -1156,7 +1156,7 @@
       </p:sp>
       <p:sp>
         <p:nvSpPr>
-          <p:cNvPr id="192" name="Google Shape;192;gc5abbd3403_0_16:notes"/>
+          <p:cNvPr id="182" name="Google Shape;182;gfb19fe4c98_4_23:notes"/>
           <p:cNvSpPr txBox="1">
             <a:spLocks noGrp="1"/>
           </p:cNvSpPr>
@@ -1198,7 +1198,7 @@
       </p:sp>
       <p:sp>
         <p:nvSpPr>
-          <p:cNvPr id="193" name="Google Shape;193;gc5abbd3403_0_16:notes"/>
+          <p:cNvPr id="183" name="Google Shape;183;gfb19fe4c98_4_23:notes"/>
           <p:cNvSpPr txBox="1">
             <a:spLocks noGrp="1"/>
           </p:cNvSpPr>
@@ -11221,6 +11221,329 @@
   <p:cSld>
     <p:spTree>
       <p:nvGrpSpPr>
+        <p:cNvPr id="1" name="Shape 194"/>
+        <p:cNvGrpSpPr/>
+        <p:nvPr/>
+      </p:nvGrpSpPr>
+      <p:grpSpPr>
+        <a:xfrm>
+          <a:off x="0" y="0"/>
+          <a:ext cx="0" cy="0"/>
+          <a:chOff x="0" y="0"/>
+          <a:chExt cx="0" cy="0"/>
+        </a:xfrm>
+      </p:grpSpPr>
+      <p:sp>
+        <p:nvSpPr>
+          <p:cNvPr id="195" name="Google Shape;195;p26"/>
+          <p:cNvSpPr txBox="1"/>
+          <p:nvPr/>
+        </p:nvSpPr>
+        <p:spPr>
+          <a:xfrm>
+            <a:off x="67624" y="46690"/>
+            <a:ext cx="8224800" cy="453600"/>
+          </a:xfrm>
+          <a:prstGeom prst="rect">
+            <a:avLst/>
+          </a:prstGeom>
+          <a:noFill/>
+          <a:ln>
+            <a:noFill/>
+          </a:ln>
+        </p:spPr>
+        <p:txBody>
+          <a:bodyPr spcFirstLastPara="1" wrap="square" lIns="91425" tIns="45700" rIns="91425" bIns="45700" anchor="ctr" anchorCtr="0">
+            <a:noAutofit/>
+          </a:bodyPr>
+          <a:lstStyle/>
+          <a:p>
+            <a:pPr marL="0" lvl="0" indent="0" algn="l" rtl="0">
+              <a:spcBef>
+                <a:spcPts val="0"/>
+              </a:spcBef>
+              <a:spcAft>
+                <a:spcPts val="0"/>
+              </a:spcAft>
+              <a:buNone/>
+            </a:pPr>
+            <a:endParaRPr sz="2800" dirty="0">
+              <a:solidFill>
+                <a:srgbClr val="FF770D"/>
+              </a:solidFill>
+            </a:endParaRPr>
+          </a:p>
+        </p:txBody>
+      </p:sp>
+      <p:sp>
+        <p:nvSpPr>
+          <p:cNvPr id="196" name="Google Shape;196;p26"/>
+          <p:cNvSpPr txBox="1"/>
+          <p:nvPr/>
+        </p:nvSpPr>
+        <p:spPr>
+          <a:xfrm>
+            <a:off x="89225" y="542325"/>
+            <a:ext cx="8889300" cy="3442800"/>
+          </a:xfrm>
+          <a:prstGeom prst="rect">
+            <a:avLst/>
+          </a:prstGeom>
+          <a:noFill/>
+          <a:ln>
+            <a:noFill/>
+          </a:ln>
+        </p:spPr>
+        <p:txBody>
+          <a:bodyPr spcFirstLastPara="1" wrap="square" lIns="91425" tIns="91425" rIns="91425" bIns="91425" anchor="t" anchorCtr="0">
+            <a:noAutofit/>
+          </a:bodyPr>
+          <a:lstStyle/>
+          <a:p>
+            <a:pPr marL="0" lvl="0" indent="0" algn="ctr" rtl="0">
+              <a:spcBef>
+                <a:spcPts val="0"/>
+              </a:spcBef>
+              <a:spcAft>
+                <a:spcPts val="0"/>
+              </a:spcAft>
+              <a:buNone/>
+            </a:pPr>
+            <a:endParaRPr lang="en-US" sz="1100" dirty="0">
+              <a:solidFill>
+                <a:srgbClr val="FF770D"/>
+              </a:solidFill>
+            </a:endParaRPr>
+          </a:p>
+          <a:p>
+            <a:pPr marL="0" lvl="0" indent="0" algn="ctr" rtl="0">
+              <a:spcBef>
+                <a:spcPts val="0"/>
+              </a:spcBef>
+              <a:spcAft>
+                <a:spcPts val="0"/>
+              </a:spcAft>
+              <a:buNone/>
+            </a:pPr>
+            <a:endParaRPr lang="en-US" sz="1100" dirty="0">
+              <a:solidFill>
+                <a:srgbClr val="FF770D"/>
+              </a:solidFill>
+            </a:endParaRPr>
+          </a:p>
+          <a:p>
+            <a:pPr marL="0" lvl="0" indent="0" algn="ctr" rtl="0">
+              <a:spcBef>
+                <a:spcPts val="0"/>
+              </a:spcBef>
+              <a:spcAft>
+                <a:spcPts val="0"/>
+              </a:spcAft>
+              <a:buNone/>
+            </a:pPr>
+            <a:endParaRPr lang="en-US" sz="1100" dirty="0">
+              <a:solidFill>
+                <a:srgbClr val="FF770D"/>
+              </a:solidFill>
+            </a:endParaRPr>
+          </a:p>
+          <a:p>
+            <a:pPr marL="0" lvl="0" indent="0" algn="ctr" rtl="0">
+              <a:spcBef>
+                <a:spcPts val="0"/>
+              </a:spcBef>
+              <a:spcAft>
+                <a:spcPts val="0"/>
+              </a:spcAft>
+              <a:buNone/>
+            </a:pPr>
+            <a:endParaRPr lang="en-US" sz="1100" dirty="0">
+              <a:solidFill>
+                <a:srgbClr val="FF770D"/>
+              </a:solidFill>
+            </a:endParaRPr>
+          </a:p>
+          <a:p>
+            <a:pPr marL="0" lvl="0" indent="0" algn="ctr" rtl="0">
+              <a:spcBef>
+                <a:spcPts val="0"/>
+              </a:spcBef>
+              <a:spcAft>
+                <a:spcPts val="0"/>
+              </a:spcAft>
+              <a:buNone/>
+            </a:pPr>
+            <a:endParaRPr lang="en-US" sz="1100" dirty="0">
+              <a:solidFill>
+                <a:srgbClr val="FF770D"/>
+              </a:solidFill>
+            </a:endParaRPr>
+          </a:p>
+          <a:p>
+            <a:pPr marL="0" lvl="0" indent="0" algn="ctr" rtl="0">
+              <a:spcBef>
+                <a:spcPts val="0"/>
+              </a:spcBef>
+              <a:spcAft>
+                <a:spcPts val="0"/>
+              </a:spcAft>
+              <a:buNone/>
+            </a:pPr>
+            <a:endParaRPr lang="en-US" sz="1100" dirty="0">
+              <a:solidFill>
+                <a:srgbClr val="FF770D"/>
+              </a:solidFill>
+            </a:endParaRPr>
+          </a:p>
+          <a:p>
+            <a:pPr marL="0" lvl="0" indent="0" algn="ctr" rtl="0">
+              <a:spcBef>
+                <a:spcPts val="0"/>
+              </a:spcBef>
+              <a:spcAft>
+                <a:spcPts val="0"/>
+              </a:spcAft>
+              <a:buNone/>
+            </a:pPr>
+            <a:endParaRPr lang="en-US" sz="1100" dirty="0">
+              <a:solidFill>
+                <a:srgbClr val="FF770D"/>
+              </a:solidFill>
+            </a:endParaRPr>
+          </a:p>
+          <a:p>
+            <a:pPr marL="0" lvl="0" indent="0" algn="ctr" rtl="0">
+              <a:spcBef>
+                <a:spcPts val="0"/>
+              </a:spcBef>
+              <a:spcAft>
+                <a:spcPts val="0"/>
+              </a:spcAft>
+              <a:buNone/>
+            </a:pPr>
+            <a:r>
+              <a:rPr lang="en-US" sz="7200" dirty="0">
+                <a:solidFill>
+                  <a:srgbClr val="FF770D"/>
+                </a:solidFill>
+              </a:rPr>
+              <a:t>Demo</a:t>
+            </a:r>
+          </a:p>
+        </p:txBody>
+      </p:sp>
+      <p:sp>
+        <p:nvSpPr>
+          <p:cNvPr id="197" name="Google Shape;197;p26"/>
+          <p:cNvSpPr txBox="1"/>
+          <p:nvPr/>
+        </p:nvSpPr>
+        <p:spPr>
+          <a:xfrm>
+            <a:off x="5461200" y="4955088"/>
+            <a:ext cx="3682800" cy="188400"/>
+          </a:xfrm>
+          <a:prstGeom prst="rect">
+            <a:avLst/>
+          </a:prstGeom>
+          <a:noFill/>
+          <a:ln>
+            <a:noFill/>
+          </a:ln>
+        </p:spPr>
+        <p:txBody>
+          <a:bodyPr spcFirstLastPara="1" wrap="square" lIns="91425" tIns="91425" rIns="91425" bIns="91425" anchor="ctr" anchorCtr="0">
+            <a:noAutofit/>
+          </a:bodyPr>
+          <a:lstStyle/>
+          <a:p>
+            <a:pPr marL="0" lvl="0" indent="0" algn="r" rtl="0">
+              <a:spcBef>
+                <a:spcPts val="0"/>
+              </a:spcBef>
+              <a:spcAft>
+                <a:spcPts val="0"/>
+              </a:spcAft>
+              <a:buNone/>
+            </a:pPr>
+            <a:endParaRPr sz="1000">
+              <a:latin typeface="Roboto"/>
+              <a:ea typeface="Roboto"/>
+              <a:cs typeface="Roboto"/>
+              <a:sym typeface="Roboto"/>
+            </a:endParaRPr>
+          </a:p>
+        </p:txBody>
+      </p:sp>
+      <p:pic>
+        <p:nvPicPr>
+          <p:cNvPr id="198" name="Google Shape;198;p26"/>
+          <p:cNvPicPr preferRelativeResize="0"/>
+          <p:nvPr/>
+        </p:nvPicPr>
+        <p:blipFill>
+          <a:blip r:embed="rId3">
+            <a:alphaModFix/>
+          </a:blip>
+          <a:stretch>
+            <a:fillRect/>
+          </a:stretch>
+        </p:blipFill>
+        <p:spPr>
+          <a:xfrm>
+            <a:off x="0" y="4838075"/>
+            <a:ext cx="1300150" cy="188425"/>
+          </a:xfrm>
+          <a:prstGeom prst="rect">
+            <a:avLst/>
+          </a:prstGeom>
+          <a:noFill/>
+          <a:ln>
+            <a:noFill/>
+          </a:ln>
+        </p:spPr>
+      </p:pic>
+      <p:pic>
+        <p:nvPicPr>
+          <p:cNvPr id="199" name="Google Shape;199;p26"/>
+          <p:cNvPicPr preferRelativeResize="0"/>
+          <p:nvPr/>
+        </p:nvPicPr>
+        <p:blipFill>
+          <a:blip r:embed="rId4">
+            <a:alphaModFix/>
+          </a:blip>
+          <a:stretch>
+            <a:fillRect/>
+          </a:stretch>
+        </p:blipFill>
+        <p:spPr>
+          <a:xfrm>
+            <a:off x="7414725" y="109850"/>
+            <a:ext cx="1563800" cy="432475"/>
+          </a:xfrm>
+          <a:prstGeom prst="rect">
+            <a:avLst/>
+          </a:prstGeom>
+          <a:noFill/>
+          <a:ln>
+            <a:noFill/>
+          </a:ln>
+        </p:spPr>
+      </p:pic>
+    </p:spTree>
+  </p:cSld>
+  <p:clrMapOvr>
+    <a:masterClrMapping/>
+  </p:clrMapOvr>
+</p:sld>
+</file>
+
+<file path=ppt/slides/slide11.xml><?xml version="1.0" encoding="utf-8"?>
+<p:sld xmlns:a="http://schemas.openxmlformats.org/drawingml/2006/main" xmlns:r="http://schemas.openxmlformats.org/officeDocument/2006/relationships" xmlns:p="http://schemas.openxmlformats.org/presentationml/2006/main">
+  <p:cSld>
+    <p:spTree>
+      <p:nvGrpSpPr>
         <p:cNvPr id="1" name="Shape 184"/>
         <p:cNvGrpSpPr/>
         <p:nvPr/>
@@ -11308,7 +11631,7 @@
           </a:bodyPr>
           <a:lstStyle/>
           <a:p>
-            <a:pPr marL="0" lvl="0" indent="0" algn="l" rtl="0">
+            <a:pPr marL="171450" lvl="0" indent="-171450" algn="l" rtl="0">
               <a:lnSpc>
                 <a:spcPct val="115000"/>
               </a:lnSpc>
@@ -11318,9 +11641,154 @@
               <a:spcAft>
                 <a:spcPts val="0"/>
               </a:spcAft>
-              <a:buNone/>
+              <a:buSzPct val="130000"/>
+              <a:buFont typeface="Arial" panose="020B0604020202020204" pitchFamily="34" charset="0"/>
+              <a:buChar char="•"/>
             </a:pPr>
-            <a:endParaRPr sz="1050">
+            <a:r>
+              <a:rPr lang="en-US" sz="1100" dirty="0">
+                <a:solidFill>
+                  <a:srgbClr val="333333"/>
+                </a:solidFill>
+              </a:rPr>
+              <a:t>How to attach code to AWS services</a:t>
+            </a:r>
+          </a:p>
+          <a:p>
+            <a:pPr marL="171450" lvl="0" indent="-171450" algn="l" rtl="0">
+              <a:lnSpc>
+                <a:spcPct val="115000"/>
+              </a:lnSpc>
+              <a:spcBef>
+                <a:spcPts val="0"/>
+              </a:spcBef>
+              <a:spcAft>
+                <a:spcPts val="0"/>
+              </a:spcAft>
+              <a:buSzPct val="130000"/>
+              <a:buFont typeface="Arial" panose="020B0604020202020204" pitchFamily="34" charset="0"/>
+              <a:buChar char="•"/>
+            </a:pPr>
+            <a:r>
+              <a:rPr lang="en-US" sz="1100" dirty="0">
+                <a:solidFill>
+                  <a:srgbClr val="333333"/>
+                </a:solidFill>
+              </a:rPr>
+              <a:t>How to implement certain notifications to monitor our architecture</a:t>
+            </a:r>
+          </a:p>
+          <a:p>
+            <a:pPr marL="171450" lvl="0" indent="-171450" algn="l" rtl="0">
+              <a:lnSpc>
+                <a:spcPct val="115000"/>
+              </a:lnSpc>
+              <a:spcBef>
+                <a:spcPts val="0"/>
+              </a:spcBef>
+              <a:spcAft>
+                <a:spcPts val="0"/>
+              </a:spcAft>
+              <a:buSzPct val="130000"/>
+              <a:buFont typeface="Arial" panose="020B0604020202020204" pitchFamily="34" charset="0"/>
+              <a:buChar char="•"/>
+            </a:pPr>
+            <a:r>
+              <a:rPr lang="en-US" sz="1100" dirty="0">
+                <a:solidFill>
+                  <a:srgbClr val="333333"/>
+                </a:solidFill>
+              </a:rPr>
+              <a:t>How to connect AWS IAM to GitHub</a:t>
+            </a:r>
+          </a:p>
+          <a:p>
+            <a:pPr marL="171450" lvl="0" indent="-171450" algn="l" rtl="0">
+              <a:lnSpc>
+                <a:spcPct val="115000"/>
+              </a:lnSpc>
+              <a:spcBef>
+                <a:spcPts val="0"/>
+              </a:spcBef>
+              <a:spcAft>
+                <a:spcPts val="0"/>
+              </a:spcAft>
+              <a:buSzPct val="130000"/>
+              <a:buFont typeface="Arial" panose="020B0604020202020204" pitchFamily="34" charset="0"/>
+              <a:buChar char="•"/>
+            </a:pPr>
+            <a:r>
+              <a:rPr lang="en-US" sz="1100" dirty="0">
+                <a:solidFill>
+                  <a:srgbClr val="333333"/>
+                </a:solidFill>
+              </a:rPr>
+              <a:t>How to give and restrict access to buckets and users</a:t>
+            </a:r>
+          </a:p>
+          <a:p>
+            <a:pPr marL="171450" lvl="0" indent="-171450" algn="l" rtl="0">
+              <a:lnSpc>
+                <a:spcPct val="115000"/>
+              </a:lnSpc>
+              <a:spcBef>
+                <a:spcPts val="0"/>
+              </a:spcBef>
+              <a:spcAft>
+                <a:spcPts val="0"/>
+              </a:spcAft>
+              <a:buSzPct val="130000"/>
+              <a:buFont typeface="Arial" panose="020B0604020202020204" pitchFamily="34" charset="0"/>
+              <a:buChar char="•"/>
+            </a:pPr>
+            <a:r>
+              <a:rPr lang="en-US" sz="1100" dirty="0">
+                <a:solidFill>
+                  <a:srgbClr val="333333"/>
+                </a:solidFill>
+              </a:rPr>
+              <a:t>How to make buckets public and turn public read access off for security purposes</a:t>
+            </a:r>
+          </a:p>
+          <a:p>
+            <a:pPr marL="171450" lvl="0" indent="-171450" algn="l" rtl="0">
+              <a:lnSpc>
+                <a:spcPct val="115000"/>
+              </a:lnSpc>
+              <a:spcBef>
+                <a:spcPts val="0"/>
+              </a:spcBef>
+              <a:spcAft>
+                <a:spcPts val="0"/>
+              </a:spcAft>
+              <a:buSzPct val="130000"/>
+              <a:buFont typeface="Arial" panose="020B0604020202020204" pitchFamily="34" charset="0"/>
+              <a:buChar char="•"/>
+            </a:pPr>
+            <a:r>
+              <a:rPr lang="en-US" sz="1100" dirty="0">
+                <a:solidFill>
+                  <a:srgbClr val="333333"/>
+                </a:solidFill>
+              </a:rPr>
+              <a:t>How to simplify, modify, and add to architecture</a:t>
+            </a:r>
+          </a:p>
+          <a:p>
+            <a:pPr marL="171450" lvl="0" indent="-171450" algn="l" rtl="0">
+              <a:lnSpc>
+                <a:spcPct val="115000"/>
+              </a:lnSpc>
+              <a:spcBef>
+                <a:spcPts val="0"/>
+              </a:spcBef>
+              <a:spcAft>
+                <a:spcPts val="0"/>
+              </a:spcAft>
+              <a:buFont typeface="Arial" panose="020B0604020202020204" pitchFamily="34" charset="0"/>
+              <a:buChar char="•"/>
+            </a:pPr>
+            <a:endParaRPr sz="1050" dirty="0">
               <a:solidFill>
                 <a:srgbClr val="333333"/>
               </a:solidFill>
@@ -11402,240 +11870,6 @@
       <p:pic>
         <p:nvPicPr>
           <p:cNvPr id="189" name="Google Shape;189;p25"/>
-          <p:cNvPicPr preferRelativeResize="0"/>
-          <p:nvPr/>
-        </p:nvPicPr>
-        <p:blipFill>
-          <a:blip r:embed="rId4">
-            <a:alphaModFix/>
-          </a:blip>
-          <a:stretch>
-            <a:fillRect/>
-          </a:stretch>
-        </p:blipFill>
-        <p:spPr>
-          <a:xfrm>
-            <a:off x="7414725" y="109850"/>
-            <a:ext cx="1563800" cy="432475"/>
-          </a:xfrm>
-          <a:prstGeom prst="rect">
-            <a:avLst/>
-          </a:prstGeom>
-          <a:noFill/>
-          <a:ln>
-            <a:noFill/>
-          </a:ln>
-        </p:spPr>
-      </p:pic>
-    </p:spTree>
-  </p:cSld>
-  <p:clrMapOvr>
-    <a:masterClrMapping/>
-  </p:clrMapOvr>
-</p:sld>
-</file>
-
-<file path=ppt/slides/slide11.xml><?xml version="1.0" encoding="utf-8"?>
-<p:sld xmlns:a="http://schemas.openxmlformats.org/drawingml/2006/main" xmlns:r="http://schemas.openxmlformats.org/officeDocument/2006/relationships" xmlns:p="http://schemas.openxmlformats.org/presentationml/2006/main">
-  <p:cSld>
-    <p:spTree>
-      <p:nvGrpSpPr>
-        <p:cNvPr id="1" name="Shape 194"/>
-        <p:cNvGrpSpPr/>
-        <p:nvPr/>
-      </p:nvGrpSpPr>
-      <p:grpSpPr>
-        <a:xfrm>
-          <a:off x="0" y="0"/>
-          <a:ext cx="0" cy="0"/>
-          <a:chOff x="0" y="0"/>
-          <a:chExt cx="0" cy="0"/>
-        </a:xfrm>
-      </p:grpSpPr>
-      <p:sp>
-        <p:nvSpPr>
-          <p:cNvPr id="195" name="Google Shape;195;p26"/>
-          <p:cNvSpPr txBox="1"/>
-          <p:nvPr/>
-        </p:nvSpPr>
-        <p:spPr>
-          <a:xfrm>
-            <a:off x="67624" y="46690"/>
-            <a:ext cx="8224800" cy="453600"/>
-          </a:xfrm>
-          <a:prstGeom prst="rect">
-            <a:avLst/>
-          </a:prstGeom>
-          <a:noFill/>
-          <a:ln>
-            <a:noFill/>
-          </a:ln>
-        </p:spPr>
-        <p:txBody>
-          <a:bodyPr spcFirstLastPara="1" wrap="square" lIns="91425" tIns="45700" rIns="91425" bIns="45700" anchor="ctr" anchorCtr="0">
-            <a:noAutofit/>
-          </a:bodyPr>
-          <a:lstStyle/>
-          <a:p>
-            <a:pPr marL="0" lvl="0" indent="0" algn="l" rtl="0">
-              <a:spcBef>
-                <a:spcPts val="0"/>
-              </a:spcBef>
-              <a:spcAft>
-                <a:spcPts val="0"/>
-              </a:spcAft>
-              <a:buNone/>
-            </a:pPr>
-            <a:r>
-              <a:rPr lang="en" sz="2800">
-                <a:solidFill>
-                  <a:srgbClr val="FF770D"/>
-                </a:solidFill>
-              </a:rPr>
-              <a:t>Demo</a:t>
-            </a:r>
-            <a:endParaRPr sz="2800">
-              <a:solidFill>
-                <a:srgbClr val="FF770D"/>
-              </a:solidFill>
-            </a:endParaRPr>
-          </a:p>
-        </p:txBody>
-      </p:sp>
-      <p:sp>
-        <p:nvSpPr>
-          <p:cNvPr id="196" name="Google Shape;196;p26"/>
-          <p:cNvSpPr txBox="1"/>
-          <p:nvPr/>
-        </p:nvSpPr>
-        <p:spPr>
-          <a:xfrm>
-            <a:off x="67625" y="500300"/>
-            <a:ext cx="8889300" cy="3442800"/>
-          </a:xfrm>
-          <a:prstGeom prst="rect">
-            <a:avLst/>
-          </a:prstGeom>
-          <a:noFill/>
-          <a:ln>
-            <a:noFill/>
-          </a:ln>
-        </p:spPr>
-        <p:txBody>
-          <a:bodyPr spcFirstLastPara="1" wrap="square" lIns="91425" tIns="91425" rIns="91425" bIns="91425" anchor="t" anchorCtr="0">
-            <a:noAutofit/>
-          </a:bodyPr>
-          <a:lstStyle/>
-          <a:p>
-            <a:pPr marL="0" lvl="0" indent="0" algn="l" rtl="0">
-              <a:lnSpc>
-                <a:spcPct val="115000"/>
-              </a:lnSpc>
-              <a:spcBef>
-                <a:spcPts val="0"/>
-              </a:spcBef>
-              <a:spcAft>
-                <a:spcPts val="0"/>
-              </a:spcAft>
-              <a:buNone/>
-            </a:pPr>
-            <a:endParaRPr sz="1100"/>
-          </a:p>
-          <a:p>
-            <a:pPr marL="457200" marR="101600" lvl="0" indent="0" algn="l" rtl="0">
-              <a:lnSpc>
-                <a:spcPct val="115000"/>
-              </a:lnSpc>
-              <a:spcBef>
-                <a:spcPts val="3400"/>
-              </a:spcBef>
-              <a:spcAft>
-                <a:spcPts val="3400"/>
-              </a:spcAft>
-              <a:buNone/>
-            </a:pPr>
-            <a:endParaRPr sz="1050">
-              <a:solidFill>
-                <a:srgbClr val="333333"/>
-              </a:solidFill>
-            </a:endParaRPr>
-          </a:p>
-        </p:txBody>
-      </p:sp>
-      <p:sp>
-        <p:nvSpPr>
-          <p:cNvPr id="197" name="Google Shape;197;p26"/>
-          <p:cNvSpPr txBox="1"/>
-          <p:nvPr/>
-        </p:nvSpPr>
-        <p:spPr>
-          <a:xfrm>
-            <a:off x="5461200" y="4955088"/>
-            <a:ext cx="3682800" cy="188400"/>
-          </a:xfrm>
-          <a:prstGeom prst="rect">
-            <a:avLst/>
-          </a:prstGeom>
-          <a:noFill/>
-          <a:ln>
-            <a:noFill/>
-          </a:ln>
-        </p:spPr>
-        <p:txBody>
-          <a:bodyPr spcFirstLastPara="1" wrap="square" lIns="91425" tIns="91425" rIns="91425" bIns="91425" anchor="ctr" anchorCtr="0">
-            <a:noAutofit/>
-          </a:bodyPr>
-          <a:lstStyle/>
-          <a:p>
-            <a:pPr marL="0" lvl="0" indent="0" algn="r" rtl="0">
-              <a:spcBef>
-                <a:spcPts val="0"/>
-              </a:spcBef>
-              <a:spcAft>
-                <a:spcPts val="0"/>
-              </a:spcAft>
-              <a:buNone/>
-            </a:pPr>
-            <a:endParaRPr sz="1000">
-              <a:latin typeface="Roboto"/>
-              <a:ea typeface="Roboto"/>
-              <a:cs typeface="Roboto"/>
-              <a:sym typeface="Roboto"/>
-            </a:endParaRPr>
-          </a:p>
-        </p:txBody>
-      </p:sp>
-      <p:pic>
-        <p:nvPicPr>
-          <p:cNvPr id="198" name="Google Shape;198;p26"/>
-          <p:cNvPicPr preferRelativeResize="0"/>
-          <p:nvPr/>
-        </p:nvPicPr>
-        <p:blipFill>
-          <a:blip r:embed="rId3">
-            <a:alphaModFix/>
-          </a:blip>
-          <a:stretch>
-            <a:fillRect/>
-          </a:stretch>
-        </p:blipFill>
-        <p:spPr>
-          <a:xfrm>
-            <a:off x="0" y="4838075"/>
-            <a:ext cx="1300150" cy="188425"/>
-          </a:xfrm>
-          <a:prstGeom prst="rect">
-            <a:avLst/>
-          </a:prstGeom>
-          <a:noFill/>
-          <a:ln>
-            <a:noFill/>
-          </a:ln>
-        </p:spPr>
-      </p:pic>
-      <p:pic>
-        <p:nvPicPr>
-          <p:cNvPr id="199" name="Google Shape;199;p26"/>
           <p:cNvPicPr preferRelativeResize="0"/>
           <p:nvPr/>
         </p:nvPicPr>
@@ -11761,7 +11995,7 @@
           </a:bodyPr>
           <a:lstStyle/>
           <a:p>
-            <a:pPr marL="0" lvl="0" indent="0" algn="l" rtl="0">
+            <a:pPr marL="171450" lvl="0" indent="-171450" algn="l" rtl="0">
               <a:lnSpc>
                 <a:spcPct val="115000"/>
               </a:lnSpc>
@@ -11771,7 +12005,9 @@
               <a:spcAft>
                 <a:spcPts val="0"/>
               </a:spcAft>
-              <a:buNone/>
+              <a:buSzPct val="130000"/>
+              <a:buFont typeface="Arial" panose="020B0604020202020204" pitchFamily="34" charset="0"/>
+              <a:buChar char="•"/>
             </a:pPr>
             <a:r>
               <a:rPr lang="en-US" sz="1100" dirty="0"/>
@@ -11779,7 +12015,7 @@
             </a:r>
           </a:p>
           <a:p>
-            <a:pPr marL="0" lvl="0" indent="0" algn="l" rtl="0">
+            <a:pPr marL="171450" lvl="0" indent="-171450" algn="l" rtl="0">
               <a:lnSpc>
                 <a:spcPct val="115000"/>
               </a:lnSpc>
@@ -11789,7 +12025,9 @@
               <a:spcAft>
                 <a:spcPts val="0"/>
               </a:spcAft>
-              <a:buNone/>
+              <a:buSzPct val="130000"/>
+              <a:buFont typeface="Arial" panose="020B0604020202020204" pitchFamily="34" charset="0"/>
+              <a:buChar char="•"/>
             </a:pPr>
             <a:r>
               <a:rPr lang="en-US" sz="1100" dirty="0"/>
@@ -11797,7 +12035,7 @@
             </a:r>
           </a:p>
           <a:p>
-            <a:pPr marL="0" lvl="0" indent="0" algn="l" rtl="0">
+            <a:pPr marL="171450" lvl="0" indent="-171450" algn="l" rtl="0">
               <a:lnSpc>
                 <a:spcPct val="115000"/>
               </a:lnSpc>
@@ -11807,25 +12045,9 @@
               <a:spcAft>
                 <a:spcPts val="0"/>
               </a:spcAft>
-              <a:buNone/>
-            </a:pPr>
-            <a:r>
-              <a:rPr lang="en-US" sz="1100" dirty="0"/>
-              <a:t>Metrics</a:t>
-            </a:r>
-          </a:p>
-          <a:p>
-            <a:pPr marL="0" lvl="0" indent="0" algn="l" rtl="0">
-              <a:lnSpc>
-                <a:spcPct val="115000"/>
-              </a:lnSpc>
-              <a:spcBef>
-                <a:spcPts val="0"/>
-              </a:spcBef>
-              <a:spcAft>
-                <a:spcPts val="0"/>
-              </a:spcAft>
-              <a:buNone/>
+              <a:buSzPct val="130000"/>
+              <a:buFont typeface="Arial" panose="020B0604020202020204" pitchFamily="34" charset="0"/>
+              <a:buChar char="•"/>
             </a:pPr>
             <a:r>
               <a:rPr lang="en-US" sz="1100" dirty="0"/>
@@ -11833,7 +12055,7 @@
             </a:r>
           </a:p>
           <a:p>
-            <a:pPr marL="0" lvl="0" indent="0" algn="l" rtl="0">
+            <a:pPr marL="171450" lvl="0" indent="-171450" algn="l" rtl="0">
               <a:lnSpc>
                 <a:spcPct val="115000"/>
               </a:lnSpc>
@@ -11843,11 +12065,33 @@
               <a:spcAft>
                 <a:spcPts val="0"/>
               </a:spcAft>
-              <a:buNone/>
+              <a:buSzPct val="130000"/>
+              <a:buFont typeface="Arial" panose="020B0604020202020204" pitchFamily="34" charset="0"/>
+              <a:buChar char="•"/>
             </a:pPr>
             <a:r>
               <a:rPr lang="en-US" sz="1100" dirty="0"/>
-              <a:t>CloudWatch</a:t>
+              <a:t>CloudTrail – monitor API calls </a:t>
+            </a:r>
+          </a:p>
+          <a:p>
+            <a:pPr marL="171450" lvl="0" indent="-171450" algn="l" rtl="0">
+              <a:lnSpc>
+                <a:spcPct val="115000"/>
+              </a:lnSpc>
+              <a:spcBef>
+                <a:spcPts val="0"/>
+              </a:spcBef>
+              <a:spcAft>
+                <a:spcPts val="0"/>
+              </a:spcAft>
+              <a:buSzPct val="130000"/>
+              <a:buFont typeface="Arial" panose="020B0604020202020204" pitchFamily="34" charset="0"/>
+              <a:buChar char="•"/>
+            </a:pPr>
+            <a:r>
+              <a:rPr lang="en-US" sz="1100" dirty="0"/>
+              <a:t>More CloudWatch metrics</a:t>
             </a:r>
             <a:endParaRPr sz="1100" dirty="0"/>
           </a:p>
@@ -13376,8 +13620,8 @@
         </p:blipFill>
         <p:spPr>
           <a:xfrm>
-            <a:off x="7068625" y="1773300"/>
-            <a:ext cx="1250425" cy="1278000"/>
+            <a:off x="7033051" y="1760135"/>
+            <a:ext cx="1286000" cy="1291165"/>
           </a:xfrm>
           <a:prstGeom prst="rect">
             <a:avLst/>
@@ -13475,6 +13719,35 @@
           <a:ln>
             <a:noFill/>
           </a:ln>
+        </p:spPr>
+      </p:pic>
+      <p:pic>
+        <p:nvPicPr>
+          <p:cNvPr id="3" name="Picture 2" descr="A person smiling for the camera&#10;&#10;Description automatically generated with medium confidence">
+            <a:extLst>
+              <a:ext uri="{FF2B5EF4-FFF2-40B4-BE49-F238E27FC236}">
+                <a16:creationId xmlns:a16="http://schemas.microsoft.com/office/drawing/2014/main" id="{D53629FC-733A-451D-9519-1AF0442D6FD0}"/>
+              </a:ext>
+            </a:extLst>
+          </p:cNvPr>
+          <p:cNvPicPr>
+            <a:picLocks noChangeAspect="1"/>
+          </p:cNvPicPr>
+          <p:nvPr/>
+        </p:nvPicPr>
+        <p:blipFill rotWithShape="1">
+          <a:blip r:embed="rId9"/>
+          <a:srcRect l="22724" t="5229" r="28765" b="23529"/>
+          <a:stretch/>
+        </p:blipFill>
+        <p:spPr>
+          <a:xfrm>
+            <a:off x="5568912" y="1760135"/>
+            <a:ext cx="1255625" cy="1291165"/>
+          </a:xfrm>
+          <a:prstGeom prst="rect">
+            <a:avLst/>
+          </a:prstGeom>
         </p:spPr>
       </p:pic>
     </p:spTree>
@@ -13622,10 +13895,10 @@
               <a:buAutoNum type="arabicPeriod"/>
             </a:pPr>
             <a:r>
-              <a:rPr lang="en" sz="1400"/>
+              <a:rPr lang="en" sz="1400" dirty="0"/>
               <a:t>Introductions</a:t>
             </a:r>
-            <a:endParaRPr sz="1400"/>
+            <a:endParaRPr sz="1400" dirty="0"/>
           </a:p>
           <a:p>
             <a:pPr marL="457200" lvl="0" indent="-317500" algn="l" rtl="0">
@@ -13639,10 +13912,10 @@
               <a:buAutoNum type="arabicPeriod"/>
             </a:pPr>
             <a:r>
-              <a:rPr lang="en" sz="1400"/>
+              <a:rPr lang="en" sz="1400" dirty="0"/>
               <a:t>Project Overview</a:t>
             </a:r>
-            <a:endParaRPr sz="1400"/>
+            <a:endParaRPr sz="1400" dirty="0"/>
           </a:p>
           <a:p>
             <a:pPr marL="457200" lvl="0" indent="-317500" algn="l" rtl="0">
@@ -13656,10 +13929,10 @@
               <a:buAutoNum type="arabicPeriod"/>
             </a:pPr>
             <a:r>
-              <a:rPr lang="en" sz="1400"/>
+              <a:rPr lang="en" sz="1400" dirty="0"/>
               <a:t>Architecture and Design</a:t>
             </a:r>
-            <a:endParaRPr sz="1400"/>
+            <a:endParaRPr sz="1400" dirty="0"/>
           </a:p>
           <a:p>
             <a:pPr marL="457200" lvl="0" indent="-317500" algn="l" rtl="0">
@@ -13673,10 +13946,10 @@
               <a:buAutoNum type="arabicPeriod"/>
             </a:pPr>
             <a:r>
-              <a:rPr lang="en" sz="1400"/>
+              <a:rPr lang="en" sz="1400" dirty="0"/>
               <a:t>Tools and Technologies Used</a:t>
             </a:r>
-            <a:endParaRPr sz="1400"/>
+            <a:endParaRPr sz="1400" dirty="0"/>
           </a:p>
           <a:p>
             <a:pPr marL="457200" lvl="0" indent="-317500" algn="l" rtl="0">
@@ -13690,10 +13963,21 @@
               <a:buAutoNum type="arabicPeriod"/>
             </a:pPr>
             <a:r>
-              <a:rPr lang="en" sz="1400"/>
+              <a:rPr lang="en" sz="1400" dirty="0"/>
               <a:t>Challenges and Issues</a:t>
             </a:r>
-            <a:endParaRPr sz="1400"/>
+          </a:p>
+          <a:p>
+            <a:pPr indent="-317500">
+              <a:buSzPts val="1400"/>
+              <a:buFont typeface="Open Sans"/>
+              <a:buAutoNum type="arabicPeriod"/>
+            </a:pPr>
+            <a:r>
+              <a:rPr lang="en-US" sz="1400" dirty="0"/>
+              <a:t>Demo</a:t>
+            </a:r>
+            <a:endParaRPr sz="1400" dirty="0"/>
           </a:p>
           <a:p>
             <a:pPr marL="457200" lvl="0" indent="-317500" algn="l" rtl="0">
@@ -13707,10 +13991,10 @@
               <a:buAutoNum type="arabicPeriod"/>
             </a:pPr>
             <a:r>
-              <a:rPr lang="en" sz="1400"/>
+              <a:rPr lang="en" sz="1400" dirty="0"/>
               <a:t>What We Have Learned</a:t>
             </a:r>
-            <a:endParaRPr sz="1400"/>
+            <a:endParaRPr sz="1400" dirty="0"/>
           </a:p>
           <a:p>
             <a:pPr marL="457200" lvl="0" indent="-317500" algn="l" rtl="0">
@@ -13724,10 +14008,10 @@
               <a:buAutoNum type="arabicPeriod"/>
             </a:pPr>
             <a:r>
-              <a:rPr lang="en" sz="1400"/>
-              <a:t>Demo</a:t>
+              <a:rPr lang="en" sz="1400" dirty="0"/>
+              <a:t>What We Would Add</a:t>
             </a:r>
-            <a:endParaRPr sz="1400"/>
+            <a:endParaRPr sz="1400" dirty="0"/>
           </a:p>
           <a:p>
             <a:pPr marL="457200" lvl="0" indent="-317500" algn="l" rtl="0">
@@ -13741,27 +14025,10 @@
               <a:buAutoNum type="arabicPeriod"/>
             </a:pPr>
             <a:r>
-              <a:rPr lang="en" sz="1400"/>
-              <a:t>What We Would Add</a:t>
-            </a:r>
-            <a:endParaRPr sz="1400"/>
-          </a:p>
-          <a:p>
-            <a:pPr marL="457200" lvl="0" indent="-317500" algn="l" rtl="0">
-              <a:spcBef>
-                <a:spcPts val="0"/>
-              </a:spcBef>
-              <a:spcAft>
-                <a:spcPts val="0"/>
-              </a:spcAft>
-              <a:buSzPts val="1400"/>
-              <a:buAutoNum type="arabicPeriod"/>
-            </a:pPr>
-            <a:r>
-              <a:rPr lang="en" sz="1400"/>
+              <a:rPr lang="en" sz="1400" dirty="0"/>
               <a:t>Questions</a:t>
             </a:r>
-            <a:endParaRPr sz="1400"/>
+            <a:endParaRPr sz="1400" dirty="0"/>
           </a:p>
         </p:txBody>
       </p:sp>
@@ -14467,36 +14734,6 @@
       </p:pic>
       <p:pic>
         <p:nvPicPr>
-          <p:cNvPr id="3" name="Picture 2" descr="Diagram&#10;&#10;Description automatically generated">
-            <a:extLst>
-              <a:ext uri="{FF2B5EF4-FFF2-40B4-BE49-F238E27FC236}">
-                <a16:creationId xmlns:a16="http://schemas.microsoft.com/office/drawing/2014/main" id="{6C7177F3-B57D-48F0-BFD4-1B3011885875}"/>
-              </a:ext>
-            </a:extLst>
-          </p:cNvPr>
-          <p:cNvPicPr>
-            <a:picLocks noChangeAspect="1"/>
-          </p:cNvPicPr>
-          <p:nvPr/>
-        </p:nvPicPr>
-        <p:blipFill>
-          <a:blip r:embed="rId4"/>
-          <a:stretch>
-            <a:fillRect/>
-          </a:stretch>
-        </p:blipFill>
-        <p:spPr>
-          <a:xfrm>
-            <a:off x="556371" y="569655"/>
-            <a:ext cx="8031257" cy="4199054"/>
-          </a:xfrm>
-          <a:prstGeom prst="rect">
-            <a:avLst/>
-          </a:prstGeom>
-        </p:spPr>
-      </p:pic>
-      <p:pic>
-        <p:nvPicPr>
           <p:cNvPr id="6" name="Google Shape;169;p23">
             <a:extLst>
               <a:ext uri="{FF2B5EF4-FFF2-40B4-BE49-F238E27FC236}">
@@ -14508,7 +14745,7 @@
           <p:nvPr/>
         </p:nvPicPr>
         <p:blipFill>
-          <a:blip r:embed="rId5">
+          <a:blip r:embed="rId4">
             <a:alphaModFix/>
           </a:blip>
           <a:stretch>
@@ -14527,6 +14764,36 @@
           <a:ln>
             <a:noFill/>
           </a:ln>
+        </p:spPr>
+      </p:pic>
+      <p:pic>
+        <p:nvPicPr>
+          <p:cNvPr id="4" name="Picture 3" descr="Diagram&#10;&#10;Description automatically generated">
+            <a:extLst>
+              <a:ext uri="{FF2B5EF4-FFF2-40B4-BE49-F238E27FC236}">
+                <a16:creationId xmlns:a16="http://schemas.microsoft.com/office/drawing/2014/main" id="{B6177CD0-1037-4F75-B1AC-F1A3C4D0869A}"/>
+              </a:ext>
+            </a:extLst>
+          </p:cNvPr>
+          <p:cNvPicPr>
+            <a:picLocks noChangeAspect="1"/>
+          </p:cNvPicPr>
+          <p:nvPr/>
+        </p:nvPicPr>
+        <p:blipFill>
+          <a:blip r:embed="rId5"/>
+          <a:stretch>
+            <a:fillRect/>
+          </a:stretch>
+        </p:blipFill>
+        <p:spPr>
+          <a:xfrm>
+            <a:off x="351692" y="500290"/>
+            <a:ext cx="8440615" cy="4259644"/>
+          </a:xfrm>
+          <a:prstGeom prst="rect">
+            <a:avLst/>
+          </a:prstGeom>
         </p:spPr>
       </p:pic>
     </p:spTree>
@@ -14682,6 +14949,25 @@
             </a:pPr>
             <a:r>
               <a:rPr lang="en" sz="1100" dirty="0"/>
+              <a:t>AWS CloudWatch</a:t>
+            </a:r>
+          </a:p>
+          <a:p>
+            <a:pPr marL="457200" lvl="0" indent="-298450" algn="l" rtl="0">
+              <a:lnSpc>
+                <a:spcPct val="115000"/>
+              </a:lnSpc>
+              <a:spcBef>
+                <a:spcPts val="0"/>
+              </a:spcBef>
+              <a:spcAft>
+                <a:spcPts val="0"/>
+              </a:spcAft>
+              <a:buSzPts val="1100"/>
+              <a:buChar char="●"/>
+            </a:pPr>
+            <a:r>
+              <a:rPr lang="en" sz="1100" dirty="0"/>
               <a:t>AWS IAM</a:t>
             </a:r>
           </a:p>
@@ -14792,7 +15078,7 @@
             </a:pPr>
             <a:r>
               <a:rPr lang="en-US" b="1" dirty="0"/>
-              <a:t>Final Product</a:t>
+              <a:t>Final Product – V3</a:t>
             </a:r>
           </a:p>
           <a:p>
@@ -14812,6 +15098,25 @@
             <a:r>
               <a:rPr lang="en" sz="1100" dirty="0"/>
               <a:t>AWS S3</a:t>
+            </a:r>
+          </a:p>
+          <a:p>
+            <a:pPr marL="457200" lvl="0" indent="-298450" algn="l" rtl="0">
+              <a:lnSpc>
+                <a:spcPct val="115000"/>
+              </a:lnSpc>
+              <a:spcBef>
+                <a:spcPts val="0"/>
+              </a:spcBef>
+              <a:spcAft>
+                <a:spcPts val="0"/>
+              </a:spcAft>
+              <a:buSzPts val="1100"/>
+              <a:buChar char="●"/>
+            </a:pPr>
+            <a:r>
+              <a:rPr lang="en" sz="1100" dirty="0"/>
+              <a:t>AWS CloudWatch</a:t>
             </a:r>
           </a:p>
           <a:p>
@@ -15075,7 +15380,7 @@
                   <a:srgbClr val="FF770D"/>
                 </a:solidFill>
               </a:rPr>
-              <a:t>Challenges, Issues and Changes</a:t>
+              <a:t>Challenges and Issues</a:t>
             </a:r>
             <a:endParaRPr sz="2800" dirty="0">
               <a:solidFill>
@@ -15093,7 +15398,7 @@
         </p:nvSpPr>
         <p:spPr>
           <a:xfrm>
-            <a:off x="127350" y="500300"/>
+            <a:off x="89225" y="542325"/>
             <a:ext cx="8889300" cy="3442800"/>
           </a:xfrm>
           <a:prstGeom prst="rect">
@@ -15109,24 +15414,6 @@
             <a:noAutofit/>
           </a:bodyPr>
           <a:lstStyle/>
-          <a:p>
-            <a:pPr marL="158750" lvl="0" algn="l" rtl="0">
-              <a:lnSpc>
-                <a:spcPct val="115000"/>
-              </a:lnSpc>
-              <a:spcBef>
-                <a:spcPts val="0"/>
-              </a:spcBef>
-              <a:spcAft>
-                <a:spcPts val="0"/>
-              </a:spcAft>
-              <a:buSzPts val="1100"/>
-            </a:pPr>
-            <a:r>
-              <a:rPr lang="en" sz="1200" b="1" dirty="0"/>
-              <a:t>Challenges and Issues</a:t>
-            </a:r>
-          </a:p>
           <a:p>
             <a:pPr marL="457200" lvl="0" indent="-298450" algn="l" rtl="0">
               <a:lnSpc>
@@ -15198,40 +15485,9 @@
               <a:buSzPts val="1100"/>
               <a:buChar char="●"/>
             </a:pPr>
-            <a:endParaRPr lang="en" sz="1100" dirty="0"/>
-          </a:p>
-          <a:p>
-            <a:pPr marL="457200" lvl="0" indent="-298450" algn="l" rtl="0">
-              <a:lnSpc>
-                <a:spcPct val="115000"/>
-              </a:lnSpc>
-              <a:spcBef>
-                <a:spcPts val="0"/>
-              </a:spcBef>
-              <a:spcAft>
-                <a:spcPts val="0"/>
-              </a:spcAft>
-              <a:buSzPts val="1100"/>
-              <a:buChar char="●"/>
-            </a:pPr>
-            <a:endParaRPr lang="en" sz="1100" dirty="0"/>
-          </a:p>
-          <a:p>
-            <a:pPr marL="158750" lvl="0" algn="l" rtl="0">
-              <a:lnSpc>
-                <a:spcPct val="115000"/>
-              </a:lnSpc>
-              <a:spcBef>
-                <a:spcPts val="0"/>
-              </a:spcBef>
-              <a:spcAft>
-                <a:spcPts val="0"/>
-              </a:spcAft>
-              <a:buSzPts val="1100"/>
-            </a:pPr>
             <a:r>
-              <a:rPr lang="en" sz="1200" b="1" dirty="0"/>
-              <a:t>Changes</a:t>
+              <a:rPr lang="en" sz="1100" dirty="0"/>
+              <a:t>Trouble getting CloudFront to work with S3</a:t>
             </a:r>
           </a:p>
           <a:p>
@@ -15250,11 +15506,11 @@
             </a:pPr>
             <a:r>
               <a:rPr lang="en" sz="1100" dirty="0"/>
-              <a:t>Moved to </a:t>
+              <a:t>Trouble creating CloudFormation template</a:t>
             </a:r>
           </a:p>
           <a:p>
-            <a:pPr marL="457200" lvl="0" indent="-298450" algn="l" rtl="0">
+            <a:pPr marL="158750" lvl="0" algn="l" rtl="0">
               <a:lnSpc>
                 <a:spcPct val="115000"/>
               </a:lnSpc>
@@ -15265,31 +15521,8 @@
                 <a:spcPts val="0"/>
               </a:spcAft>
               <a:buSzPts val="1100"/>
-              <a:buChar char="●"/>
             </a:pPr>
-            <a:r>
-              <a:rPr lang="en" sz="1100" dirty="0"/>
-              <a:t>Lots of troubleshooting when adding/changing services</a:t>
-            </a:r>
-          </a:p>
-          <a:p>
-            <a:pPr marL="457200" lvl="0" indent="-298450" algn="l" rtl="0">
-              <a:lnSpc>
-                <a:spcPct val="115000"/>
-              </a:lnSpc>
-              <a:spcBef>
-                <a:spcPts val="0"/>
-              </a:spcBef>
-              <a:spcAft>
-                <a:spcPts val="0"/>
-              </a:spcAft>
-              <a:buSzPts val="1100"/>
-              <a:buChar char="●"/>
-            </a:pPr>
-            <a:r>
-              <a:rPr lang="en" sz="1100" dirty="0"/>
-              <a:t>Issues with getting S3 to read our GitHub repository</a:t>
-            </a:r>
+            <a:endParaRPr lang="en" sz="1200" b="1" dirty="0"/>
           </a:p>
           <a:p>
             <a:pPr marL="158750" lvl="0" algn="l" rtl="0">
